--- a/Lecture Notes-Slides/Lecture 11.pptx
+++ b/Lecture Notes-Slides/Lecture 11.pptx
@@ -4,6 +4,9 @@
   <p:sldMasterIdLst>
     <p:sldMasterId id="2147483648" r:id="rId1"/>
   </p:sldMasterIdLst>
+  <p:notesMasterIdLst>
+    <p:notesMasterId r:id="rId29"/>
+  </p:notesMasterIdLst>
   <p:sldIdLst>
     <p:sldId id="256" r:id="rId2"/>
     <p:sldId id="261" r:id="rId3"/>
@@ -133,6 +136,1196 @@
 </p:presentation>
 </file>
 
+<file path=ppt/notesMasters/notesMaster1.xml><?xml version="1.0" encoding="utf-8"?>
+<p:notesMaster xmlns:a="http://schemas.openxmlformats.org/drawingml/2006/main" xmlns:r="http://schemas.openxmlformats.org/officeDocument/2006/relationships" xmlns:p="http://schemas.openxmlformats.org/presentationml/2006/main">
+  <p:cSld>
+    <p:bg>
+      <p:bgRef idx="1001">
+        <a:schemeClr val="bg1"/>
+      </p:bgRef>
+    </p:bg>
+    <p:spTree>
+      <p:nvGrpSpPr>
+        <p:cNvPr id="1" name=""/>
+        <p:cNvGrpSpPr/>
+        <p:nvPr/>
+      </p:nvGrpSpPr>
+      <p:grpSpPr>
+        <a:xfrm>
+          <a:off x="0" y="0"/>
+          <a:ext cx="0" cy="0"/>
+          <a:chOff x="0" y="0"/>
+          <a:chExt cx="0" cy="0"/>
+        </a:xfrm>
+      </p:grpSpPr>
+      <p:sp>
+        <p:nvSpPr>
+          <p:cNvPr id="2" name="Header Placeholder 1"/>
+          <p:cNvSpPr>
+            <a:spLocks noGrp="1"/>
+          </p:cNvSpPr>
+          <p:nvPr>
+            <p:ph type="hdr" sz="quarter"/>
+          </p:nvPr>
+        </p:nvSpPr>
+        <p:spPr>
+          <a:xfrm>
+            <a:off x="0" y="0"/>
+            <a:ext cx="2971800" cy="457200"/>
+          </a:xfrm>
+          <a:prstGeom prst="rect">
+            <a:avLst/>
+          </a:prstGeom>
+        </p:spPr>
+        <p:txBody>
+          <a:bodyPr vert="horz" lIns="91440" tIns="45720" rIns="91440" bIns="45720" rtlCol="0"/>
+          <a:lstStyle>
+            <a:lvl1pPr algn="l">
+              <a:defRPr sz="1200"/>
+            </a:lvl1pPr>
+          </a:lstStyle>
+          <a:p>
+            <a:endParaRPr lang="en-US"/>
+          </a:p>
+        </p:txBody>
+      </p:sp>
+      <p:sp>
+        <p:nvSpPr>
+          <p:cNvPr id="3" name="Date Placeholder 2"/>
+          <p:cNvSpPr>
+            <a:spLocks noGrp="1"/>
+          </p:cNvSpPr>
+          <p:nvPr>
+            <p:ph type="dt" idx="1"/>
+          </p:nvPr>
+        </p:nvSpPr>
+        <p:spPr>
+          <a:xfrm>
+            <a:off x="3884613" y="0"/>
+            <a:ext cx="2971800" cy="457200"/>
+          </a:xfrm>
+          <a:prstGeom prst="rect">
+            <a:avLst/>
+          </a:prstGeom>
+        </p:spPr>
+        <p:txBody>
+          <a:bodyPr vert="horz" lIns="91440" tIns="45720" rIns="91440" bIns="45720" rtlCol="0"/>
+          <a:lstStyle>
+            <a:lvl1pPr algn="r">
+              <a:defRPr sz="1200"/>
+            </a:lvl1pPr>
+          </a:lstStyle>
+          <a:p>
+            <a:fld id="{4D987841-25A8-454A-95F0-5B5578EBBB9E}" type="datetimeFigureOut">
+              <a:rPr lang="en-US" smtClean="0"/>
+              <a:t>3/7/16</a:t>
+            </a:fld>
+            <a:endParaRPr lang="en-US"/>
+          </a:p>
+        </p:txBody>
+      </p:sp>
+      <p:sp>
+        <p:nvSpPr>
+          <p:cNvPr id="4" name="Slide Image Placeholder 3"/>
+          <p:cNvSpPr>
+            <a:spLocks noGrp="1" noRot="1" noChangeAspect="1"/>
+          </p:cNvSpPr>
+          <p:nvPr>
+            <p:ph type="sldImg" idx="2"/>
+          </p:nvPr>
+        </p:nvSpPr>
+        <p:spPr>
+          <a:xfrm>
+            <a:off x="1143000" y="685800"/>
+            <a:ext cx="4572000" cy="3429000"/>
+          </a:xfrm>
+          <a:prstGeom prst="rect">
+            <a:avLst/>
+          </a:prstGeom>
+          <a:noFill/>
+          <a:ln w="12700">
+            <a:solidFill>
+              <a:prstClr val="black"/>
+            </a:solidFill>
+          </a:ln>
+        </p:spPr>
+        <p:txBody>
+          <a:bodyPr vert="horz" lIns="91440" tIns="45720" rIns="91440" bIns="45720" rtlCol="0" anchor="ctr"/>
+          <a:lstStyle/>
+          <a:p>
+            <a:endParaRPr lang="en-US"/>
+          </a:p>
+        </p:txBody>
+      </p:sp>
+      <p:sp>
+        <p:nvSpPr>
+          <p:cNvPr id="5" name="Notes Placeholder 4"/>
+          <p:cNvSpPr>
+            <a:spLocks noGrp="1"/>
+          </p:cNvSpPr>
+          <p:nvPr>
+            <p:ph type="body" sz="quarter" idx="3"/>
+          </p:nvPr>
+        </p:nvSpPr>
+        <p:spPr>
+          <a:xfrm>
+            <a:off x="685800" y="4343400"/>
+            <a:ext cx="5486400" cy="4114800"/>
+          </a:xfrm>
+          <a:prstGeom prst="rect">
+            <a:avLst/>
+          </a:prstGeom>
+        </p:spPr>
+        <p:txBody>
+          <a:bodyPr vert="horz" lIns="91440" tIns="45720" rIns="91440" bIns="45720" rtlCol="0"/>
+          <a:lstStyle/>
+          <a:p>
+            <a:pPr lvl="0"/>
+            <a:r>
+              <a:rPr lang="en-US" smtClean="0"/>
+              <a:t>Click to edit Master text styles</a:t>
+            </a:r>
+          </a:p>
+          <a:p>
+            <a:pPr lvl="1"/>
+            <a:r>
+              <a:rPr lang="en-US" smtClean="0"/>
+              <a:t>Second level</a:t>
+            </a:r>
+          </a:p>
+          <a:p>
+            <a:pPr lvl="2"/>
+            <a:r>
+              <a:rPr lang="en-US" smtClean="0"/>
+              <a:t>Third level</a:t>
+            </a:r>
+          </a:p>
+          <a:p>
+            <a:pPr lvl="3"/>
+            <a:r>
+              <a:rPr lang="en-US" smtClean="0"/>
+              <a:t>Fourth level</a:t>
+            </a:r>
+          </a:p>
+          <a:p>
+            <a:pPr lvl="4"/>
+            <a:r>
+              <a:rPr lang="en-US" smtClean="0"/>
+              <a:t>Fifth level</a:t>
+            </a:r>
+            <a:endParaRPr lang="en-US"/>
+          </a:p>
+        </p:txBody>
+      </p:sp>
+      <p:sp>
+        <p:nvSpPr>
+          <p:cNvPr id="6" name="Footer Placeholder 5"/>
+          <p:cNvSpPr>
+            <a:spLocks noGrp="1"/>
+          </p:cNvSpPr>
+          <p:nvPr>
+            <p:ph type="ftr" sz="quarter" idx="4"/>
+          </p:nvPr>
+        </p:nvSpPr>
+        <p:spPr>
+          <a:xfrm>
+            <a:off x="0" y="8685213"/>
+            <a:ext cx="2971800" cy="457200"/>
+          </a:xfrm>
+          <a:prstGeom prst="rect">
+            <a:avLst/>
+          </a:prstGeom>
+        </p:spPr>
+        <p:txBody>
+          <a:bodyPr vert="horz" lIns="91440" tIns="45720" rIns="91440" bIns="45720" rtlCol="0" anchor="b"/>
+          <a:lstStyle>
+            <a:lvl1pPr algn="l">
+              <a:defRPr sz="1200"/>
+            </a:lvl1pPr>
+          </a:lstStyle>
+          <a:p>
+            <a:endParaRPr lang="en-US"/>
+          </a:p>
+        </p:txBody>
+      </p:sp>
+      <p:sp>
+        <p:nvSpPr>
+          <p:cNvPr id="7" name="Slide Number Placeholder 6"/>
+          <p:cNvSpPr>
+            <a:spLocks noGrp="1"/>
+          </p:cNvSpPr>
+          <p:nvPr>
+            <p:ph type="sldNum" sz="quarter" idx="5"/>
+          </p:nvPr>
+        </p:nvSpPr>
+        <p:spPr>
+          <a:xfrm>
+            <a:off x="3884613" y="8685213"/>
+            <a:ext cx="2971800" cy="457200"/>
+          </a:xfrm>
+          <a:prstGeom prst="rect">
+            <a:avLst/>
+          </a:prstGeom>
+        </p:spPr>
+        <p:txBody>
+          <a:bodyPr vert="horz" lIns="91440" tIns="45720" rIns="91440" bIns="45720" rtlCol="0" anchor="b"/>
+          <a:lstStyle>
+            <a:lvl1pPr algn="r">
+              <a:defRPr sz="1200"/>
+            </a:lvl1pPr>
+          </a:lstStyle>
+          <a:p>
+            <a:fld id="{0630D5FA-261E-E94C-B433-9DC9E3691001}" type="slidenum">
+              <a:rPr lang="en-US" smtClean="0"/>
+              <a:t>‹#›</a:t>
+            </a:fld>
+            <a:endParaRPr lang="en-US"/>
+          </a:p>
+        </p:txBody>
+      </p:sp>
+    </p:spTree>
+    <p:extLst>
+      <p:ext uri="{BB962C8B-B14F-4D97-AF65-F5344CB8AC3E}">
+        <p14:creationId xmlns:p14="http://schemas.microsoft.com/office/powerpoint/2010/main" val="2337803477"/>
+      </p:ext>
+    </p:extLst>
+  </p:cSld>
+  <p:clrMap bg1="lt1" tx1="dk1" bg2="lt2" tx2="dk2" accent1="accent1" accent2="accent2" accent3="accent3" accent4="accent4" accent5="accent5" accent6="accent6" hlink="hlink" folHlink="folHlink"/>
+  <p:notesStyle>
+    <a:lvl1pPr marL="0" algn="l" defTabSz="457200" rtl="0" eaLnBrk="1" latinLnBrk="0" hangingPunct="1">
+      <a:defRPr sz="1200" kern="1200">
+        <a:solidFill>
+          <a:schemeClr val="tx1"/>
+        </a:solidFill>
+        <a:latin typeface="+mn-lt"/>
+        <a:ea typeface="+mn-ea"/>
+        <a:cs typeface="+mn-cs"/>
+      </a:defRPr>
+    </a:lvl1pPr>
+    <a:lvl2pPr marL="457200" algn="l" defTabSz="457200" rtl="0" eaLnBrk="1" latinLnBrk="0" hangingPunct="1">
+      <a:defRPr sz="1200" kern="1200">
+        <a:solidFill>
+          <a:schemeClr val="tx1"/>
+        </a:solidFill>
+        <a:latin typeface="+mn-lt"/>
+        <a:ea typeface="+mn-ea"/>
+        <a:cs typeface="+mn-cs"/>
+      </a:defRPr>
+    </a:lvl2pPr>
+    <a:lvl3pPr marL="914400" algn="l" defTabSz="457200" rtl="0" eaLnBrk="1" latinLnBrk="0" hangingPunct="1">
+      <a:defRPr sz="1200" kern="1200">
+        <a:solidFill>
+          <a:schemeClr val="tx1"/>
+        </a:solidFill>
+        <a:latin typeface="+mn-lt"/>
+        <a:ea typeface="+mn-ea"/>
+        <a:cs typeface="+mn-cs"/>
+      </a:defRPr>
+    </a:lvl3pPr>
+    <a:lvl4pPr marL="1371600" algn="l" defTabSz="457200" rtl="0" eaLnBrk="1" latinLnBrk="0" hangingPunct="1">
+      <a:defRPr sz="1200" kern="1200">
+        <a:solidFill>
+          <a:schemeClr val="tx1"/>
+        </a:solidFill>
+        <a:latin typeface="+mn-lt"/>
+        <a:ea typeface="+mn-ea"/>
+        <a:cs typeface="+mn-cs"/>
+      </a:defRPr>
+    </a:lvl4pPr>
+    <a:lvl5pPr marL="1828800" algn="l" defTabSz="457200" rtl="0" eaLnBrk="1" latinLnBrk="0" hangingPunct="1">
+      <a:defRPr sz="1200" kern="1200">
+        <a:solidFill>
+          <a:schemeClr val="tx1"/>
+        </a:solidFill>
+        <a:latin typeface="+mn-lt"/>
+        <a:ea typeface="+mn-ea"/>
+        <a:cs typeface="+mn-cs"/>
+      </a:defRPr>
+    </a:lvl5pPr>
+    <a:lvl6pPr marL="2286000" algn="l" defTabSz="457200" rtl="0" eaLnBrk="1" latinLnBrk="0" hangingPunct="1">
+      <a:defRPr sz="1200" kern="1200">
+        <a:solidFill>
+          <a:schemeClr val="tx1"/>
+        </a:solidFill>
+        <a:latin typeface="+mn-lt"/>
+        <a:ea typeface="+mn-ea"/>
+        <a:cs typeface="+mn-cs"/>
+      </a:defRPr>
+    </a:lvl6pPr>
+    <a:lvl7pPr marL="2743200" algn="l" defTabSz="457200" rtl="0" eaLnBrk="1" latinLnBrk="0" hangingPunct="1">
+      <a:defRPr sz="1200" kern="1200">
+        <a:solidFill>
+          <a:schemeClr val="tx1"/>
+        </a:solidFill>
+        <a:latin typeface="+mn-lt"/>
+        <a:ea typeface="+mn-ea"/>
+        <a:cs typeface="+mn-cs"/>
+      </a:defRPr>
+    </a:lvl7pPr>
+    <a:lvl8pPr marL="3200400" algn="l" defTabSz="457200" rtl="0" eaLnBrk="1" latinLnBrk="0" hangingPunct="1">
+      <a:defRPr sz="1200" kern="1200">
+        <a:solidFill>
+          <a:schemeClr val="tx1"/>
+        </a:solidFill>
+        <a:latin typeface="+mn-lt"/>
+        <a:ea typeface="+mn-ea"/>
+        <a:cs typeface="+mn-cs"/>
+      </a:defRPr>
+    </a:lvl8pPr>
+    <a:lvl9pPr marL="3657600" algn="l" defTabSz="457200" rtl="0" eaLnBrk="1" latinLnBrk="0" hangingPunct="1">
+      <a:defRPr sz="1200" kern="1200">
+        <a:solidFill>
+          <a:schemeClr val="tx1"/>
+        </a:solidFill>
+        <a:latin typeface="+mn-lt"/>
+        <a:ea typeface="+mn-ea"/>
+        <a:cs typeface="+mn-cs"/>
+      </a:defRPr>
+    </a:lvl9pPr>
+  </p:notesStyle>
+</p:notesMaster>
+</file>
+
+<file path=ppt/notesSlides/notesSlide1.xml><?xml version="1.0" encoding="utf-8"?>
+<p:notes xmlns:a="http://schemas.openxmlformats.org/drawingml/2006/main" xmlns:r="http://schemas.openxmlformats.org/officeDocument/2006/relationships" xmlns:p="http://schemas.openxmlformats.org/presentationml/2006/main">
+  <p:cSld>
+    <p:spTree>
+      <p:nvGrpSpPr>
+        <p:cNvPr id="1" name=""/>
+        <p:cNvGrpSpPr/>
+        <p:nvPr/>
+      </p:nvGrpSpPr>
+      <p:grpSpPr>
+        <a:xfrm>
+          <a:off x="0" y="0"/>
+          <a:ext cx="0" cy="0"/>
+          <a:chOff x="0" y="0"/>
+          <a:chExt cx="0" cy="0"/>
+        </a:xfrm>
+      </p:grpSpPr>
+      <p:sp>
+        <p:nvSpPr>
+          <p:cNvPr id="2" name="Slide Image Placeholder 1"/>
+          <p:cNvSpPr>
+            <a:spLocks noGrp="1" noRot="1" noChangeAspect="1"/>
+          </p:cNvSpPr>
+          <p:nvPr>
+            <p:ph type="sldImg"/>
+          </p:nvPr>
+        </p:nvSpPr>
+        <p:spPr/>
+      </p:sp>
+      <p:sp>
+        <p:nvSpPr>
+          <p:cNvPr id="3" name="Notes Placeholder 2"/>
+          <p:cNvSpPr>
+            <a:spLocks noGrp="1"/>
+          </p:cNvSpPr>
+          <p:nvPr>
+            <p:ph type="body" idx="1"/>
+          </p:nvPr>
+        </p:nvSpPr>
+        <p:spPr/>
+        <p:txBody>
+          <a:bodyPr/>
+          <a:lstStyle/>
+          <a:p>
+            <a:r>
+              <a:rPr lang="en-US" dirty="0" smtClean="0"/>
+              <a:t>Baseball data hits </a:t>
+            </a:r>
+            <a:r>
+              <a:rPr lang="en-US" dirty="0" err="1" smtClean="0"/>
+              <a:t>vs</a:t>
+            </a:r>
+            <a:r>
+              <a:rPr lang="en-US" dirty="0" smtClean="0"/>
+              <a:t> years color coded for salary</a:t>
+            </a:r>
+            <a:endParaRPr lang="en-US" dirty="0"/>
+          </a:p>
+        </p:txBody>
+      </p:sp>
+      <p:sp>
+        <p:nvSpPr>
+          <p:cNvPr id="4" name="Slide Number Placeholder 3"/>
+          <p:cNvSpPr>
+            <a:spLocks noGrp="1"/>
+          </p:cNvSpPr>
+          <p:nvPr>
+            <p:ph type="sldNum" sz="quarter" idx="10"/>
+          </p:nvPr>
+        </p:nvSpPr>
+        <p:spPr/>
+        <p:txBody>
+          <a:bodyPr/>
+          <a:lstStyle/>
+          <a:p>
+            <a:fld id="{0630D5FA-261E-E94C-B433-9DC9E3691001}" type="slidenum">
+              <a:rPr lang="en-US" smtClean="0"/>
+              <a:t>4</a:t>
+            </a:fld>
+            <a:endParaRPr lang="en-US"/>
+          </a:p>
+        </p:txBody>
+      </p:sp>
+    </p:spTree>
+    <p:extLst>
+      <p:ext uri="{BB962C8B-B14F-4D97-AF65-F5344CB8AC3E}">
+        <p14:creationId xmlns:p14="http://schemas.microsoft.com/office/powerpoint/2010/main" val="2682553878"/>
+      </p:ext>
+    </p:extLst>
+  </p:cSld>
+  <p:clrMapOvr>
+    <a:masterClrMapping/>
+  </p:clrMapOvr>
+</p:notes>
+</file>
+
+<file path=ppt/notesSlides/notesSlide2.xml><?xml version="1.0" encoding="utf-8"?>
+<p:notes xmlns:a="http://schemas.openxmlformats.org/drawingml/2006/main" xmlns:r="http://schemas.openxmlformats.org/officeDocument/2006/relationships" xmlns:p="http://schemas.openxmlformats.org/presentationml/2006/main">
+  <p:cSld>
+    <p:spTree>
+      <p:nvGrpSpPr>
+        <p:cNvPr id="1" name=""/>
+        <p:cNvGrpSpPr/>
+        <p:nvPr/>
+      </p:nvGrpSpPr>
+      <p:grpSpPr>
+        <a:xfrm>
+          <a:off x="0" y="0"/>
+          <a:ext cx="0" cy="0"/>
+          <a:chOff x="0" y="0"/>
+          <a:chExt cx="0" cy="0"/>
+        </a:xfrm>
+      </p:grpSpPr>
+      <p:sp>
+        <p:nvSpPr>
+          <p:cNvPr id="2" name="Slide Image Placeholder 1"/>
+          <p:cNvSpPr>
+            <a:spLocks noGrp="1" noRot="1" noChangeAspect="1"/>
+          </p:cNvSpPr>
+          <p:nvPr>
+            <p:ph type="sldImg"/>
+          </p:nvPr>
+        </p:nvSpPr>
+        <p:spPr/>
+      </p:sp>
+      <p:sp>
+        <p:nvSpPr>
+          <p:cNvPr id="3" name="Notes Placeholder 2"/>
+          <p:cNvSpPr>
+            <a:spLocks noGrp="1"/>
+          </p:cNvSpPr>
+          <p:nvPr>
+            <p:ph type="body" idx="1"/>
+          </p:nvPr>
+        </p:nvSpPr>
+        <p:spPr/>
+        <p:txBody>
+          <a:bodyPr/>
+          <a:lstStyle/>
+          <a:p>
+            <a:r>
+              <a:rPr lang="en-US" dirty="0" smtClean="0"/>
+              <a:t>3</a:t>
+            </a:r>
+            <a:r>
+              <a:rPr lang="en-US" baseline="0" dirty="0" smtClean="0"/>
+              <a:t> terminal nodes and 2 internal nodes</a:t>
+            </a:r>
+            <a:endParaRPr lang="en-US" dirty="0"/>
+          </a:p>
+        </p:txBody>
+      </p:sp>
+      <p:sp>
+        <p:nvSpPr>
+          <p:cNvPr id="4" name="Slide Number Placeholder 3"/>
+          <p:cNvSpPr>
+            <a:spLocks noGrp="1"/>
+          </p:cNvSpPr>
+          <p:nvPr>
+            <p:ph type="sldNum" sz="quarter" idx="10"/>
+          </p:nvPr>
+        </p:nvSpPr>
+        <p:spPr/>
+        <p:txBody>
+          <a:bodyPr/>
+          <a:lstStyle/>
+          <a:p>
+            <a:fld id="{0630D5FA-261E-E94C-B433-9DC9E3691001}" type="slidenum">
+              <a:rPr lang="en-US" smtClean="0"/>
+              <a:t>5</a:t>
+            </a:fld>
+            <a:endParaRPr lang="en-US"/>
+          </a:p>
+        </p:txBody>
+      </p:sp>
+    </p:spTree>
+    <p:extLst>
+      <p:ext uri="{BB962C8B-B14F-4D97-AF65-F5344CB8AC3E}">
+        <p14:creationId xmlns:p14="http://schemas.microsoft.com/office/powerpoint/2010/main" val="2564069964"/>
+      </p:ext>
+    </p:extLst>
+  </p:cSld>
+  <p:clrMapOvr>
+    <a:masterClrMapping/>
+  </p:clrMapOvr>
+</p:notes>
+</file>
+
+<file path=ppt/notesSlides/notesSlide3.xml><?xml version="1.0" encoding="utf-8"?>
+<p:notes xmlns:a="http://schemas.openxmlformats.org/drawingml/2006/main" xmlns:r="http://schemas.openxmlformats.org/officeDocument/2006/relationships" xmlns:p="http://schemas.openxmlformats.org/presentationml/2006/main">
+  <p:cSld>
+    <p:spTree>
+      <p:nvGrpSpPr>
+        <p:cNvPr id="1" name=""/>
+        <p:cNvGrpSpPr/>
+        <p:nvPr/>
+      </p:nvGrpSpPr>
+      <p:grpSpPr>
+        <a:xfrm>
+          <a:off x="0" y="0"/>
+          <a:ext cx="0" cy="0"/>
+          <a:chOff x="0" y="0"/>
+          <a:chExt cx="0" cy="0"/>
+        </a:xfrm>
+      </p:grpSpPr>
+      <p:sp>
+        <p:nvSpPr>
+          <p:cNvPr id="2" name="Slide Image Placeholder 1"/>
+          <p:cNvSpPr>
+            <a:spLocks noGrp="1" noRot="1" noChangeAspect="1"/>
+          </p:cNvSpPr>
+          <p:nvPr>
+            <p:ph type="sldImg"/>
+          </p:nvPr>
+        </p:nvSpPr>
+        <p:spPr/>
+      </p:sp>
+      <p:sp>
+        <p:nvSpPr>
+          <p:cNvPr id="3" name="Notes Placeholder 2"/>
+          <p:cNvSpPr>
+            <a:spLocks noGrp="1"/>
+          </p:cNvSpPr>
+          <p:nvPr>
+            <p:ph type="body" idx="1"/>
+          </p:nvPr>
+        </p:nvSpPr>
+        <p:spPr/>
+        <p:txBody>
+          <a:bodyPr/>
+          <a:lstStyle/>
+          <a:p>
+            <a:r>
+              <a:rPr lang="en-US" dirty="0" smtClean="0"/>
+              <a:t>For every class find the MSE for each</a:t>
+            </a:r>
+            <a:r>
+              <a:rPr lang="en-US" baseline="0" dirty="0" smtClean="0"/>
+              <a:t> class</a:t>
+            </a:r>
+            <a:endParaRPr lang="en-US" dirty="0"/>
+          </a:p>
+        </p:txBody>
+      </p:sp>
+      <p:sp>
+        <p:nvSpPr>
+          <p:cNvPr id="4" name="Slide Number Placeholder 3"/>
+          <p:cNvSpPr>
+            <a:spLocks noGrp="1"/>
+          </p:cNvSpPr>
+          <p:nvPr>
+            <p:ph type="sldNum" sz="quarter" idx="10"/>
+          </p:nvPr>
+        </p:nvSpPr>
+        <p:spPr/>
+        <p:txBody>
+          <a:bodyPr/>
+          <a:lstStyle/>
+          <a:p>
+            <a:fld id="{0630D5FA-261E-E94C-B433-9DC9E3691001}" type="slidenum">
+              <a:rPr lang="en-US" smtClean="0"/>
+              <a:t>7</a:t>
+            </a:fld>
+            <a:endParaRPr lang="en-US"/>
+          </a:p>
+        </p:txBody>
+      </p:sp>
+    </p:spTree>
+    <p:extLst>
+      <p:ext uri="{BB962C8B-B14F-4D97-AF65-F5344CB8AC3E}">
+        <p14:creationId xmlns:p14="http://schemas.microsoft.com/office/powerpoint/2010/main" val="235464565"/>
+      </p:ext>
+    </p:extLst>
+  </p:cSld>
+  <p:clrMapOvr>
+    <a:masterClrMapping/>
+  </p:clrMapOvr>
+</p:notes>
+</file>
+
+<file path=ppt/notesSlides/notesSlide4.xml><?xml version="1.0" encoding="utf-8"?>
+<p:notes xmlns:a="http://schemas.openxmlformats.org/drawingml/2006/main" xmlns:r="http://schemas.openxmlformats.org/officeDocument/2006/relationships" xmlns:p="http://schemas.openxmlformats.org/presentationml/2006/main">
+  <p:cSld>
+    <p:spTree>
+      <p:nvGrpSpPr>
+        <p:cNvPr id="1" name=""/>
+        <p:cNvGrpSpPr/>
+        <p:nvPr/>
+      </p:nvGrpSpPr>
+      <p:grpSpPr>
+        <a:xfrm>
+          <a:off x="0" y="0"/>
+          <a:ext cx="0" cy="0"/>
+          <a:chOff x="0" y="0"/>
+          <a:chExt cx="0" cy="0"/>
+        </a:xfrm>
+      </p:grpSpPr>
+      <p:sp>
+        <p:nvSpPr>
+          <p:cNvPr id="2" name="Slide Image Placeholder 1"/>
+          <p:cNvSpPr>
+            <a:spLocks noGrp="1" noRot="1" noChangeAspect="1"/>
+          </p:cNvSpPr>
+          <p:nvPr>
+            <p:ph type="sldImg"/>
+          </p:nvPr>
+        </p:nvSpPr>
+        <p:spPr/>
+      </p:sp>
+      <p:sp>
+        <p:nvSpPr>
+          <p:cNvPr id="3" name="Notes Placeholder 2"/>
+          <p:cNvSpPr>
+            <a:spLocks noGrp="1"/>
+          </p:cNvSpPr>
+          <p:nvPr>
+            <p:ph type="body" idx="1"/>
+          </p:nvPr>
+        </p:nvSpPr>
+        <p:spPr/>
+        <p:txBody>
+          <a:bodyPr/>
+          <a:lstStyle/>
+          <a:p>
+            <a:r>
+              <a:rPr lang="en-US" dirty="0" smtClean="0"/>
+              <a:t>The X’s represent features</a:t>
+            </a:r>
+            <a:endParaRPr lang="en-US" dirty="0"/>
+          </a:p>
+        </p:txBody>
+      </p:sp>
+      <p:sp>
+        <p:nvSpPr>
+          <p:cNvPr id="4" name="Slide Number Placeholder 3"/>
+          <p:cNvSpPr>
+            <a:spLocks noGrp="1"/>
+          </p:cNvSpPr>
+          <p:nvPr>
+            <p:ph type="sldNum" sz="quarter" idx="10"/>
+          </p:nvPr>
+        </p:nvSpPr>
+        <p:spPr/>
+        <p:txBody>
+          <a:bodyPr/>
+          <a:lstStyle/>
+          <a:p>
+            <a:fld id="{0630D5FA-261E-E94C-B433-9DC9E3691001}" type="slidenum">
+              <a:rPr lang="en-US" smtClean="0"/>
+              <a:t>8</a:t>
+            </a:fld>
+            <a:endParaRPr lang="en-US"/>
+          </a:p>
+        </p:txBody>
+      </p:sp>
+    </p:spTree>
+    <p:extLst>
+      <p:ext uri="{BB962C8B-B14F-4D97-AF65-F5344CB8AC3E}">
+        <p14:creationId xmlns:p14="http://schemas.microsoft.com/office/powerpoint/2010/main" val="1073772800"/>
+      </p:ext>
+    </p:extLst>
+  </p:cSld>
+  <p:clrMapOvr>
+    <a:masterClrMapping/>
+  </p:clrMapOvr>
+</p:notes>
+</file>
+
+<file path=ppt/notesSlides/notesSlide5.xml><?xml version="1.0" encoding="utf-8"?>
+<p:notes xmlns:a="http://schemas.openxmlformats.org/drawingml/2006/main" xmlns:r="http://schemas.openxmlformats.org/officeDocument/2006/relationships" xmlns:p="http://schemas.openxmlformats.org/presentationml/2006/main">
+  <p:cSld>
+    <p:spTree>
+      <p:nvGrpSpPr>
+        <p:cNvPr id="1" name=""/>
+        <p:cNvGrpSpPr/>
+        <p:nvPr/>
+      </p:nvGrpSpPr>
+      <p:grpSpPr>
+        <a:xfrm>
+          <a:off x="0" y="0"/>
+          <a:ext cx="0" cy="0"/>
+          <a:chOff x="0" y="0"/>
+          <a:chExt cx="0" cy="0"/>
+        </a:xfrm>
+      </p:grpSpPr>
+      <p:sp>
+        <p:nvSpPr>
+          <p:cNvPr id="2" name="Slide Image Placeholder 1"/>
+          <p:cNvSpPr>
+            <a:spLocks noGrp="1" noRot="1" noChangeAspect="1"/>
+          </p:cNvSpPr>
+          <p:nvPr>
+            <p:ph type="sldImg"/>
+          </p:nvPr>
+        </p:nvSpPr>
+        <p:spPr/>
+      </p:sp>
+      <p:sp>
+        <p:nvSpPr>
+          <p:cNvPr id="3" name="Notes Placeholder 2"/>
+          <p:cNvSpPr>
+            <a:spLocks noGrp="1"/>
+          </p:cNvSpPr>
+          <p:nvPr>
+            <p:ph type="body" idx="1"/>
+          </p:nvPr>
+        </p:nvSpPr>
+        <p:spPr/>
+        <p:txBody>
+          <a:bodyPr/>
+          <a:lstStyle/>
+          <a:p>
+            <a:r>
+              <a:rPr lang="en-US" dirty="0" smtClean="0"/>
+              <a:t>The three dimensional image is the regions</a:t>
+            </a:r>
+            <a:r>
+              <a:rPr lang="en-US" baseline="0" dirty="0" smtClean="0"/>
+              <a:t> in top right and the mean of each</a:t>
+            </a:r>
+            <a:endParaRPr lang="en-US" dirty="0"/>
+          </a:p>
+        </p:txBody>
+      </p:sp>
+      <p:sp>
+        <p:nvSpPr>
+          <p:cNvPr id="4" name="Slide Number Placeholder 3"/>
+          <p:cNvSpPr>
+            <a:spLocks noGrp="1"/>
+          </p:cNvSpPr>
+          <p:nvPr>
+            <p:ph type="sldNum" sz="quarter" idx="10"/>
+          </p:nvPr>
+        </p:nvSpPr>
+        <p:spPr/>
+        <p:txBody>
+          <a:bodyPr/>
+          <a:lstStyle/>
+          <a:p>
+            <a:fld id="{0630D5FA-261E-E94C-B433-9DC9E3691001}" type="slidenum">
+              <a:rPr lang="en-US" smtClean="0"/>
+              <a:t>9</a:t>
+            </a:fld>
+            <a:endParaRPr lang="en-US"/>
+          </a:p>
+        </p:txBody>
+      </p:sp>
+    </p:spTree>
+    <p:extLst>
+      <p:ext uri="{BB962C8B-B14F-4D97-AF65-F5344CB8AC3E}">
+        <p14:creationId xmlns:p14="http://schemas.microsoft.com/office/powerpoint/2010/main" val="2963638832"/>
+      </p:ext>
+    </p:extLst>
+  </p:cSld>
+  <p:clrMapOvr>
+    <a:masterClrMapping/>
+  </p:clrMapOvr>
+</p:notes>
+</file>
+
+<file path=ppt/notesSlides/notesSlide6.xml><?xml version="1.0" encoding="utf-8"?>
+<p:notes xmlns:a="http://schemas.openxmlformats.org/drawingml/2006/main" xmlns:r="http://schemas.openxmlformats.org/officeDocument/2006/relationships" xmlns:p="http://schemas.openxmlformats.org/presentationml/2006/main">
+  <p:cSld>
+    <p:spTree>
+      <p:nvGrpSpPr>
+        <p:cNvPr id="1" name=""/>
+        <p:cNvGrpSpPr/>
+        <p:nvPr/>
+      </p:nvGrpSpPr>
+      <p:grpSpPr>
+        <a:xfrm>
+          <a:off x="0" y="0"/>
+          <a:ext cx="0" cy="0"/>
+          <a:chOff x="0" y="0"/>
+          <a:chExt cx="0" cy="0"/>
+        </a:xfrm>
+      </p:grpSpPr>
+      <p:sp>
+        <p:nvSpPr>
+          <p:cNvPr id="2" name="Slide Image Placeholder 1"/>
+          <p:cNvSpPr>
+            <a:spLocks noGrp="1" noRot="1" noChangeAspect="1"/>
+          </p:cNvSpPr>
+          <p:nvPr>
+            <p:ph type="sldImg"/>
+          </p:nvPr>
+        </p:nvSpPr>
+        <p:spPr/>
+      </p:sp>
+      <p:sp>
+        <p:nvSpPr>
+          <p:cNvPr id="3" name="Notes Placeholder 2"/>
+          <p:cNvSpPr>
+            <a:spLocks noGrp="1"/>
+          </p:cNvSpPr>
+          <p:nvPr>
+            <p:ph type="body" idx="1"/>
+          </p:nvPr>
+        </p:nvSpPr>
+        <p:spPr/>
+        <p:txBody>
+          <a:bodyPr/>
+          <a:lstStyle/>
+          <a:p>
+            <a:r>
+              <a:rPr lang="en-US" dirty="0" smtClean="0"/>
+              <a:t>Must have more than 5 observations in the region or it becomes an NP hard problem</a:t>
+            </a:r>
+            <a:endParaRPr lang="en-US" dirty="0"/>
+          </a:p>
+        </p:txBody>
+      </p:sp>
+      <p:sp>
+        <p:nvSpPr>
+          <p:cNvPr id="4" name="Slide Number Placeholder 3"/>
+          <p:cNvSpPr>
+            <a:spLocks noGrp="1"/>
+          </p:cNvSpPr>
+          <p:nvPr>
+            <p:ph type="sldNum" sz="quarter" idx="10"/>
+          </p:nvPr>
+        </p:nvSpPr>
+        <p:spPr/>
+        <p:txBody>
+          <a:bodyPr/>
+          <a:lstStyle/>
+          <a:p>
+            <a:fld id="{0630D5FA-261E-E94C-B433-9DC9E3691001}" type="slidenum">
+              <a:rPr lang="en-US" smtClean="0"/>
+              <a:t>10</a:t>
+            </a:fld>
+            <a:endParaRPr lang="en-US"/>
+          </a:p>
+        </p:txBody>
+      </p:sp>
+    </p:spTree>
+    <p:extLst>
+      <p:ext uri="{BB962C8B-B14F-4D97-AF65-F5344CB8AC3E}">
+        <p14:creationId xmlns:p14="http://schemas.microsoft.com/office/powerpoint/2010/main" val="3994563896"/>
+      </p:ext>
+    </p:extLst>
+  </p:cSld>
+  <p:clrMapOvr>
+    <a:masterClrMapping/>
+  </p:clrMapOvr>
+</p:notes>
+</file>
+
+<file path=ppt/notesSlides/notesSlide7.xml><?xml version="1.0" encoding="utf-8"?>
+<p:notes xmlns:a="http://schemas.openxmlformats.org/drawingml/2006/main" xmlns:r="http://schemas.openxmlformats.org/officeDocument/2006/relationships" xmlns:p="http://schemas.openxmlformats.org/presentationml/2006/main">
+  <p:cSld>
+    <p:spTree>
+      <p:nvGrpSpPr>
+        <p:cNvPr id="1" name=""/>
+        <p:cNvGrpSpPr/>
+        <p:nvPr/>
+      </p:nvGrpSpPr>
+      <p:grpSpPr>
+        <a:xfrm>
+          <a:off x="0" y="0"/>
+          <a:ext cx="0" cy="0"/>
+          <a:chOff x="0" y="0"/>
+          <a:chExt cx="0" cy="0"/>
+        </a:xfrm>
+      </p:grpSpPr>
+      <p:sp>
+        <p:nvSpPr>
+          <p:cNvPr id="2" name="Slide Image Placeholder 1"/>
+          <p:cNvSpPr>
+            <a:spLocks noGrp="1" noRot="1" noChangeAspect="1"/>
+          </p:cNvSpPr>
+          <p:nvPr>
+            <p:ph type="sldImg"/>
+          </p:nvPr>
+        </p:nvSpPr>
+        <p:spPr/>
+      </p:sp>
+      <p:sp>
+        <p:nvSpPr>
+          <p:cNvPr id="3" name="Notes Placeholder 2"/>
+          <p:cNvSpPr>
+            <a:spLocks noGrp="1"/>
+          </p:cNvSpPr>
+          <p:nvPr>
+            <p:ph type="body" idx="1"/>
+          </p:nvPr>
+        </p:nvSpPr>
+        <p:spPr/>
+        <p:txBody>
+          <a:bodyPr/>
+          <a:lstStyle/>
+          <a:p>
+            <a:endParaRPr lang="en-US" dirty="0"/>
+          </a:p>
+        </p:txBody>
+      </p:sp>
+      <p:sp>
+        <p:nvSpPr>
+          <p:cNvPr id="4" name="Slide Number Placeholder 3"/>
+          <p:cNvSpPr>
+            <a:spLocks noGrp="1"/>
+          </p:cNvSpPr>
+          <p:nvPr>
+            <p:ph type="sldNum" sz="quarter" idx="10"/>
+          </p:nvPr>
+        </p:nvSpPr>
+        <p:spPr/>
+        <p:txBody>
+          <a:bodyPr/>
+          <a:lstStyle/>
+          <a:p>
+            <a:fld id="{0630D5FA-261E-E94C-B433-9DC9E3691001}" type="slidenum">
+              <a:rPr lang="en-US" smtClean="0"/>
+              <a:t>11</a:t>
+            </a:fld>
+            <a:endParaRPr lang="en-US"/>
+          </a:p>
+        </p:txBody>
+      </p:sp>
+    </p:spTree>
+    <p:extLst>
+      <p:ext uri="{BB962C8B-B14F-4D97-AF65-F5344CB8AC3E}">
+        <p14:creationId xmlns:p14="http://schemas.microsoft.com/office/powerpoint/2010/main" val="1708551814"/>
+      </p:ext>
+    </p:extLst>
+  </p:cSld>
+  <p:clrMapOvr>
+    <a:masterClrMapping/>
+  </p:clrMapOvr>
+</p:notes>
+</file>
+
+<file path=ppt/notesSlides/notesSlide8.xml><?xml version="1.0" encoding="utf-8"?>
+<p:notes xmlns:a="http://schemas.openxmlformats.org/drawingml/2006/main" xmlns:r="http://schemas.openxmlformats.org/officeDocument/2006/relationships" xmlns:p="http://schemas.openxmlformats.org/presentationml/2006/main">
+  <p:cSld>
+    <p:spTree>
+      <p:nvGrpSpPr>
+        <p:cNvPr id="1" name=""/>
+        <p:cNvGrpSpPr/>
+        <p:nvPr/>
+      </p:nvGrpSpPr>
+      <p:grpSpPr>
+        <a:xfrm>
+          <a:off x="0" y="0"/>
+          <a:ext cx="0" cy="0"/>
+          <a:chOff x="0" y="0"/>
+          <a:chExt cx="0" cy="0"/>
+        </a:xfrm>
+      </p:grpSpPr>
+      <p:sp>
+        <p:nvSpPr>
+          <p:cNvPr id="2" name="Slide Image Placeholder 1"/>
+          <p:cNvSpPr>
+            <a:spLocks noGrp="1" noRot="1" noChangeAspect="1"/>
+          </p:cNvSpPr>
+          <p:nvPr>
+            <p:ph type="sldImg"/>
+          </p:nvPr>
+        </p:nvSpPr>
+        <p:spPr/>
+      </p:sp>
+      <p:sp>
+        <p:nvSpPr>
+          <p:cNvPr id="3" name="Notes Placeholder 2"/>
+          <p:cNvSpPr>
+            <a:spLocks noGrp="1"/>
+          </p:cNvSpPr>
+          <p:nvPr>
+            <p:ph type="body" idx="1"/>
+          </p:nvPr>
+        </p:nvSpPr>
+        <p:spPr/>
+        <p:txBody>
+          <a:bodyPr/>
+          <a:lstStyle/>
+          <a:p>
+            <a:r>
+              <a:rPr lang="en-US" dirty="0" smtClean="0"/>
+              <a:t>Greedy:</a:t>
+            </a:r>
+            <a:r>
+              <a:rPr lang="en-US" baseline="0" dirty="0" smtClean="0"/>
+              <a:t> find best, then find best again.  But don’t look at all </a:t>
+            </a:r>
+            <a:r>
+              <a:rPr lang="en-US" baseline="0" dirty="0" err="1" smtClean="0"/>
+              <a:t>possiblities</a:t>
+            </a:r>
+            <a:r>
+              <a:rPr lang="en-US" baseline="0" dirty="0" smtClean="0"/>
+              <a:t> to get overall “bests”.  Take the short term best, then get the short term best from there.  Only look at the choices right in front of you.</a:t>
+            </a:r>
+            <a:endParaRPr lang="en-US" dirty="0"/>
+          </a:p>
+        </p:txBody>
+      </p:sp>
+      <p:sp>
+        <p:nvSpPr>
+          <p:cNvPr id="4" name="Slide Number Placeholder 3"/>
+          <p:cNvSpPr>
+            <a:spLocks noGrp="1"/>
+          </p:cNvSpPr>
+          <p:nvPr>
+            <p:ph type="sldNum" sz="quarter" idx="10"/>
+          </p:nvPr>
+        </p:nvSpPr>
+        <p:spPr/>
+        <p:txBody>
+          <a:bodyPr/>
+          <a:lstStyle/>
+          <a:p>
+            <a:fld id="{0630D5FA-261E-E94C-B433-9DC9E3691001}" type="slidenum">
+              <a:rPr lang="en-US" smtClean="0"/>
+              <a:t>14</a:t>
+            </a:fld>
+            <a:endParaRPr lang="en-US"/>
+          </a:p>
+        </p:txBody>
+      </p:sp>
+    </p:spTree>
+    <p:extLst>
+      <p:ext uri="{BB962C8B-B14F-4D97-AF65-F5344CB8AC3E}">
+        <p14:creationId xmlns:p14="http://schemas.microsoft.com/office/powerpoint/2010/main" val="664742472"/>
+      </p:ext>
+    </p:extLst>
+  </p:cSld>
+  <p:clrMapOvr>
+    <a:masterClrMapping/>
+  </p:clrMapOvr>
+</p:notes>
+</file>
+
+<file path=ppt/notesSlides/notesSlide9.xml><?xml version="1.0" encoding="utf-8"?>
+<p:notes xmlns:a="http://schemas.openxmlformats.org/drawingml/2006/main" xmlns:r="http://schemas.openxmlformats.org/officeDocument/2006/relationships" xmlns:p="http://schemas.openxmlformats.org/presentationml/2006/main">
+  <p:cSld>
+    <p:spTree>
+      <p:nvGrpSpPr>
+        <p:cNvPr id="1" name=""/>
+        <p:cNvGrpSpPr/>
+        <p:nvPr/>
+      </p:nvGrpSpPr>
+      <p:grpSpPr>
+        <a:xfrm>
+          <a:off x="0" y="0"/>
+          <a:ext cx="0" cy="0"/>
+          <a:chOff x="0" y="0"/>
+          <a:chExt cx="0" cy="0"/>
+        </a:xfrm>
+      </p:grpSpPr>
+      <p:sp>
+        <p:nvSpPr>
+          <p:cNvPr id="2" name="Slide Image Placeholder 1"/>
+          <p:cNvSpPr>
+            <a:spLocks noGrp="1" noRot="1" noChangeAspect="1"/>
+          </p:cNvSpPr>
+          <p:nvPr>
+            <p:ph type="sldImg"/>
+          </p:nvPr>
+        </p:nvSpPr>
+        <p:spPr/>
+      </p:sp>
+      <p:sp>
+        <p:nvSpPr>
+          <p:cNvPr id="3" name="Notes Placeholder 2"/>
+          <p:cNvSpPr>
+            <a:spLocks noGrp="1"/>
+          </p:cNvSpPr>
+          <p:nvPr>
+            <p:ph type="body" idx="1"/>
+          </p:nvPr>
+        </p:nvSpPr>
+        <p:spPr/>
+        <p:txBody>
+          <a:bodyPr/>
+          <a:lstStyle/>
+          <a:p>
+            <a:r>
+              <a:rPr lang="en-US" dirty="0" smtClean="0"/>
+              <a:t>For regression use RSS to find best regions, but for classification</a:t>
+            </a:r>
+            <a:r>
+              <a:rPr lang="en-US" baseline="0" dirty="0" smtClean="0"/>
+              <a:t> use </a:t>
+            </a:r>
+            <a:r>
+              <a:rPr lang="en-US" baseline="0" dirty="0" err="1" smtClean="0"/>
+              <a:t>Gini</a:t>
+            </a:r>
+            <a:r>
+              <a:rPr lang="en-US" baseline="0" dirty="0" smtClean="0"/>
+              <a:t> index when there are more than two classes: The </a:t>
+            </a:r>
+            <a:r>
+              <a:rPr lang="en-US" baseline="0" dirty="0" err="1" smtClean="0"/>
+              <a:t>gini</a:t>
+            </a:r>
+            <a:r>
+              <a:rPr lang="en-US" baseline="0" dirty="0" smtClean="0"/>
+              <a:t> index goes to 0 when everything is the same.</a:t>
+            </a:r>
+            <a:endParaRPr lang="en-US" dirty="0"/>
+          </a:p>
+        </p:txBody>
+      </p:sp>
+      <p:sp>
+        <p:nvSpPr>
+          <p:cNvPr id="4" name="Slide Number Placeholder 3"/>
+          <p:cNvSpPr>
+            <a:spLocks noGrp="1"/>
+          </p:cNvSpPr>
+          <p:nvPr>
+            <p:ph type="sldNum" sz="quarter" idx="10"/>
+          </p:nvPr>
+        </p:nvSpPr>
+        <p:spPr/>
+        <p:txBody>
+          <a:bodyPr/>
+          <a:lstStyle/>
+          <a:p>
+            <a:fld id="{0630D5FA-261E-E94C-B433-9DC9E3691001}" type="slidenum">
+              <a:rPr lang="en-US" smtClean="0"/>
+              <a:t>23</a:t>
+            </a:fld>
+            <a:endParaRPr lang="en-US"/>
+          </a:p>
+        </p:txBody>
+      </p:sp>
+    </p:spTree>
+    <p:extLst>
+      <p:ext uri="{BB962C8B-B14F-4D97-AF65-F5344CB8AC3E}">
+        <p14:creationId xmlns:p14="http://schemas.microsoft.com/office/powerpoint/2010/main" val="1817349095"/>
+      </p:ext>
+    </p:extLst>
+  </p:cSld>
+  <p:clrMapOvr>
+    <a:masterClrMapping/>
+  </p:clrMapOvr>
+</p:notes>
+</file>
+
 <file path=ppt/slideLayouts/slideLayout1.xml><?xml version="1.0" encoding="utf-8"?>
 <p:sldLayout xmlns:a="http://schemas.openxmlformats.org/drawingml/2006/main" xmlns:r="http://schemas.openxmlformats.org/officeDocument/2006/relationships" xmlns:p="http://schemas.openxmlformats.org/presentationml/2006/main" type="title" preserve="1">
   <p:cSld name="Title Slide">
@@ -314,7 +1507,7 @@
           <a:p>
             <a:fld id="{30F06632-2989-084D-AD78-4E91467ECB1A}" type="datetimeFigureOut">
               <a:rPr lang="en-US" smtClean="0"/>
-              <a:t>3/1/16</a:t>
+              <a:t>3/7/16</a:t>
             </a:fld>
             <a:endParaRPr lang="en-US"/>
           </a:p>
@@ -484,7 +1677,7 @@
           <a:p>
             <a:fld id="{30F06632-2989-084D-AD78-4E91467ECB1A}" type="datetimeFigureOut">
               <a:rPr lang="en-US" smtClean="0"/>
-              <a:t>3/1/16</a:t>
+              <a:t>3/7/16</a:t>
             </a:fld>
             <a:endParaRPr lang="en-US"/>
           </a:p>
@@ -664,7 +1857,7 @@
           <a:p>
             <a:fld id="{30F06632-2989-084D-AD78-4E91467ECB1A}" type="datetimeFigureOut">
               <a:rPr lang="en-US" smtClean="0"/>
-              <a:t>3/1/16</a:t>
+              <a:t>3/7/16</a:t>
             </a:fld>
             <a:endParaRPr lang="en-US"/>
           </a:p>
@@ -834,7 +2027,7 @@
           <a:p>
             <a:fld id="{30F06632-2989-084D-AD78-4E91467ECB1A}" type="datetimeFigureOut">
               <a:rPr lang="en-US" smtClean="0"/>
-              <a:t>3/1/16</a:t>
+              <a:t>3/7/16</a:t>
             </a:fld>
             <a:endParaRPr lang="en-US"/>
           </a:p>
@@ -1080,7 +2273,7 @@
           <a:p>
             <a:fld id="{30F06632-2989-084D-AD78-4E91467ECB1A}" type="datetimeFigureOut">
               <a:rPr lang="en-US" smtClean="0"/>
-              <a:t>3/1/16</a:t>
+              <a:t>3/7/16</a:t>
             </a:fld>
             <a:endParaRPr lang="en-US"/>
           </a:p>
@@ -1368,7 +2561,7 @@
           <a:p>
             <a:fld id="{30F06632-2989-084D-AD78-4E91467ECB1A}" type="datetimeFigureOut">
               <a:rPr lang="en-US" smtClean="0"/>
-              <a:t>3/1/16</a:t>
+              <a:t>3/7/16</a:t>
             </a:fld>
             <a:endParaRPr lang="en-US"/>
           </a:p>
@@ -1790,7 +2983,7 @@
           <a:p>
             <a:fld id="{30F06632-2989-084D-AD78-4E91467ECB1A}" type="datetimeFigureOut">
               <a:rPr lang="en-US" smtClean="0"/>
-              <a:t>3/1/16</a:t>
+              <a:t>3/7/16</a:t>
             </a:fld>
             <a:endParaRPr lang="en-US"/>
           </a:p>
@@ -1908,7 +3101,7 @@
           <a:p>
             <a:fld id="{30F06632-2989-084D-AD78-4E91467ECB1A}" type="datetimeFigureOut">
               <a:rPr lang="en-US" smtClean="0"/>
-              <a:t>3/1/16</a:t>
+              <a:t>3/7/16</a:t>
             </a:fld>
             <a:endParaRPr lang="en-US"/>
           </a:p>
@@ -2003,7 +3196,7 @@
           <a:p>
             <a:fld id="{30F06632-2989-084D-AD78-4E91467ECB1A}" type="datetimeFigureOut">
               <a:rPr lang="en-US" smtClean="0"/>
-              <a:t>3/1/16</a:t>
+              <a:t>3/7/16</a:t>
             </a:fld>
             <a:endParaRPr lang="en-US"/>
           </a:p>
@@ -2280,7 +3473,7 @@
           <a:p>
             <a:fld id="{30F06632-2989-084D-AD78-4E91467ECB1A}" type="datetimeFigureOut">
               <a:rPr lang="en-US" smtClean="0"/>
-              <a:t>3/1/16</a:t>
+              <a:t>3/7/16</a:t>
             </a:fld>
             <a:endParaRPr lang="en-US"/>
           </a:p>
@@ -2533,7 +3726,7 @@
           <a:p>
             <a:fld id="{30F06632-2989-084D-AD78-4E91467ECB1A}" type="datetimeFigureOut">
               <a:rPr lang="en-US" smtClean="0"/>
-              <a:t>3/1/16</a:t>
+              <a:t>3/7/16</a:t>
             </a:fld>
             <a:endParaRPr lang="en-US"/>
           </a:p>
@@ -2746,7 +3939,7 @@
           <a:p>
             <a:fld id="{30F06632-2989-084D-AD78-4E91467ECB1A}" type="datetimeFigureOut">
               <a:rPr lang="en-US" smtClean="0"/>
-              <a:t>3/1/16</a:t>
+              <a:t>3/7/16</a:t>
             </a:fld>
             <a:endParaRPr lang="en-US"/>
           </a:p>
@@ -3168,7 +4361,6 @@
               <a:rPr lang="en-US" dirty="0" smtClean="0"/>
               <a:t>Lecture 11 - Decision Trees – Part 1</a:t>
             </a:r>
-            <a:endParaRPr lang="en-US" dirty="0" smtClean="0"/>
           </a:p>
           <a:p>
             <a:r>
@@ -3374,7 +4566,7 @@
           <p:nvPr/>
         </p:nvPicPr>
         <p:blipFill>
-          <a:blip r:embed="rId2">
+          <a:blip r:embed="rId3">
             <a:extLst>
               <a:ext uri="{28A0092B-C50C-407E-A947-70E740481C1C}">
                 <a14:useLocalDpi xmlns:a14="http://schemas.microsoft.com/office/drawing/2010/main" val="0"/>
@@ -3404,7 +4596,7 @@
           <p:nvPr/>
         </p:nvPicPr>
         <p:blipFill>
-          <a:blip r:embed="rId3">
+          <a:blip r:embed="rId4">
             <a:extLst>
               <a:ext uri="{28A0092B-C50C-407E-A947-70E740481C1C}">
                 <a14:useLocalDpi xmlns:a14="http://schemas.microsoft.com/office/drawing/2010/main" val="0"/>
@@ -6243,7 +7435,7 @@
           <p:nvPr/>
         </p:nvPicPr>
         <p:blipFill>
-          <a:blip r:embed="rId2">
+          <a:blip r:embed="rId3">
             <a:extLst>
               <a:ext uri="{28A0092B-C50C-407E-A947-70E740481C1C}">
                 <a14:useLocalDpi xmlns:a14="http://schemas.microsoft.com/office/drawing/2010/main" val="0"/>
@@ -6273,7 +7465,7 @@
           <p:nvPr/>
         </p:nvPicPr>
         <p:blipFill>
-          <a:blip r:embed="rId2">
+          <a:blip r:embed="rId3">
             <a:extLst>
               <a:ext uri="{28A0092B-C50C-407E-A947-70E740481C1C}">
                 <a14:useLocalDpi xmlns:a14="http://schemas.microsoft.com/office/drawing/2010/main" val="0"/>
@@ -8181,7 +9373,7 @@
         </p:nvCxnSpPr>
         <p:spPr>
           <a:xfrm>
-            <a:off x="1135461" y="3109436"/>
+            <a:off x="1162576" y="3109436"/>
             <a:ext cx="13655" cy="2130110"/>
           </a:xfrm>
           <a:prstGeom prst="line">
@@ -8271,7 +9463,7 @@
         </p:nvCxnSpPr>
         <p:spPr>
           <a:xfrm>
-            <a:off x="764703" y="2321274"/>
+            <a:off x="751048" y="1626558"/>
             <a:ext cx="384413" cy="0"/>
           </a:xfrm>
           <a:prstGeom prst="line">
@@ -8306,7 +9498,7 @@
         </p:nvCxnSpPr>
         <p:spPr>
           <a:xfrm>
-            <a:off x="4638983" y="2430511"/>
+            <a:off x="4625328" y="1626558"/>
             <a:ext cx="2065820" cy="0"/>
           </a:xfrm>
           <a:prstGeom prst="line">
@@ -10008,7 +11200,7 @@
           </p:nvPr>
         </p:nvPicPr>
         <p:blipFill>
-          <a:blip r:embed="rId2">
+          <a:blip r:embed="rId3">
             <a:extLst>
               <a:ext uri="{28A0092B-C50C-407E-A947-70E740481C1C}">
                 <a14:useLocalDpi xmlns:a14="http://schemas.microsoft.com/office/drawing/2010/main" val="0"/>
@@ -10599,11 +11791,7 @@
           <a:p>
             <a:r>
               <a:rPr lang="en-US" dirty="0" smtClean="0"/>
-              <a:t>How </a:t>
-            </a:r>
-            <a:r>
-              <a:rPr lang="en-US" dirty="0" smtClean="0"/>
-              <a:t>can we increase predictability? (</a:t>
+              <a:t>How can we increase predictability? (</a:t>
             </a:r>
             <a:r>
               <a:rPr lang="en-US" i="1" dirty="0" smtClean="0">
@@ -11119,7 +12307,7 @@
           <p:nvPr/>
         </p:nvPicPr>
         <p:blipFill>
-          <a:blip r:embed="rId2">
+          <a:blip r:embed="rId3">
             <a:extLst>
               <a:ext uri="{28A0092B-C50C-407E-A947-70E740481C1C}">
                 <a14:useLocalDpi xmlns:a14="http://schemas.microsoft.com/office/drawing/2010/main" val="0"/>
@@ -11442,7 +12630,7 @@
           </p:nvPr>
         </p:nvPicPr>
         <p:blipFill>
-          <a:blip r:embed="rId2">
+          <a:blip r:embed="rId3">
             <a:extLst>
               <a:ext uri="{28A0092B-C50C-407E-A947-70E740481C1C}">
                 <a14:useLocalDpi xmlns:a14="http://schemas.microsoft.com/office/drawing/2010/main" val="0"/>
@@ -11814,7 +13002,7 @@
           </p:nvPr>
         </p:nvPicPr>
         <p:blipFill>
-          <a:blip r:embed="rId2">
+          <a:blip r:embed="rId3">
             <a:extLst>
               <a:ext uri="{28A0092B-C50C-407E-A947-70E740481C1C}">
                 <a14:useLocalDpi xmlns:a14="http://schemas.microsoft.com/office/drawing/2010/main" val="0"/>
@@ -12407,7 +13595,7 @@
           </p:nvPr>
         </p:nvPicPr>
         <p:blipFill>
-          <a:blip r:embed="rId2">
+          <a:blip r:embed="rId3">
             <a:extLst>
               <a:ext uri="{28A0092B-C50C-407E-A947-70E740481C1C}">
                 <a14:useLocalDpi xmlns:a14="http://schemas.microsoft.com/office/drawing/2010/main" val="0"/>
@@ -12421,7 +13609,7 @@
         </p:blipFill>
         <p:spPr>
           <a:xfrm>
-            <a:off x="-1211048" y="682728"/>
+            <a:off x="-1110782" y="1957849"/>
             <a:ext cx="10353360" cy="5693949"/>
           </a:xfrm>
         </p:spPr>
@@ -12919,4 +14107,324 @@
   </a:objectDefaults>
   <a:extraClrSchemeLst/>
 </a:theme>
+</file>
+
+<file path=ppt/theme/theme2.xml><?xml version="1.0" encoding="utf-8"?>
+<a:theme xmlns:a="http://schemas.openxmlformats.org/drawingml/2006/main" name="Office Theme">
+  <a:themeElements>
+    <a:clrScheme name="Office">
+      <a:dk1>
+        <a:sysClr val="windowText" lastClr="000000"/>
+      </a:dk1>
+      <a:lt1>
+        <a:sysClr val="window" lastClr="FFFFFF"/>
+      </a:lt1>
+      <a:dk2>
+        <a:srgbClr val="1F497D"/>
+      </a:dk2>
+      <a:lt2>
+        <a:srgbClr val="EEECE1"/>
+      </a:lt2>
+      <a:accent1>
+        <a:srgbClr val="4F81BD"/>
+      </a:accent1>
+      <a:accent2>
+        <a:srgbClr val="C0504D"/>
+      </a:accent2>
+      <a:accent3>
+        <a:srgbClr val="9BBB59"/>
+      </a:accent3>
+      <a:accent4>
+        <a:srgbClr val="8064A2"/>
+      </a:accent4>
+      <a:accent5>
+        <a:srgbClr val="4BACC6"/>
+      </a:accent5>
+      <a:accent6>
+        <a:srgbClr val="F79646"/>
+      </a:accent6>
+      <a:hlink>
+        <a:srgbClr val="0000FF"/>
+      </a:hlink>
+      <a:folHlink>
+        <a:srgbClr val="800080"/>
+      </a:folHlink>
+    </a:clrScheme>
+    <a:fontScheme name="Office">
+      <a:majorFont>
+        <a:latin typeface="Calibri"/>
+        <a:ea typeface=""/>
+        <a:cs typeface=""/>
+        <a:font script="Jpan" typeface="ＭＳ Ｐゴシック"/>
+        <a:font script="Hang" typeface="맑은 고딕"/>
+        <a:font script="Hans" typeface="宋体"/>
+        <a:font script="Hant" typeface="新細明體"/>
+        <a:font script="Arab" typeface="Times New Roman"/>
+        <a:font script="Hebr" typeface="Times New Roman"/>
+        <a:font script="Thai" typeface="Angsana New"/>
+        <a:font script="Ethi" typeface="Nyala"/>
+        <a:font script="Beng" typeface="Vrinda"/>
+        <a:font script="Gujr" typeface="Shruti"/>
+        <a:font script="Khmr" typeface="MoolBoran"/>
+        <a:font script="Knda" typeface="Tunga"/>
+        <a:font script="Guru" typeface="Raavi"/>
+        <a:font script="Cans" typeface="Euphemia"/>
+        <a:font script="Cher" typeface="Plantagenet Cherokee"/>
+        <a:font script="Yiii" typeface="Microsoft Yi Baiti"/>
+        <a:font script="Tibt" typeface="Microsoft Himalaya"/>
+        <a:font script="Thaa" typeface="MV Boli"/>
+        <a:font script="Deva" typeface="Mangal"/>
+        <a:font script="Telu" typeface="Gautami"/>
+        <a:font script="Taml" typeface="Latha"/>
+        <a:font script="Syrc" typeface="Estrangelo Edessa"/>
+        <a:font script="Orya" typeface="Kalinga"/>
+        <a:font script="Mlym" typeface="Kartika"/>
+        <a:font script="Laoo" typeface="DokChampa"/>
+        <a:font script="Sinh" typeface="Iskoola Pota"/>
+        <a:font script="Mong" typeface="Mongolian Baiti"/>
+        <a:font script="Viet" typeface="Times New Roman"/>
+        <a:font script="Uigh" typeface="Microsoft Uighur"/>
+        <a:font script="Geor" typeface="Sylfaen"/>
+      </a:majorFont>
+      <a:minorFont>
+        <a:latin typeface="Calibri"/>
+        <a:ea typeface=""/>
+        <a:cs typeface=""/>
+        <a:font script="Jpan" typeface="ＭＳ Ｐゴシック"/>
+        <a:font script="Hang" typeface="맑은 고딕"/>
+        <a:font script="Hans" typeface="宋体"/>
+        <a:font script="Hant" typeface="新細明體"/>
+        <a:font script="Arab" typeface="Arial"/>
+        <a:font script="Hebr" typeface="Arial"/>
+        <a:font script="Thai" typeface="Cordia New"/>
+        <a:font script="Ethi" typeface="Nyala"/>
+        <a:font script="Beng" typeface="Vrinda"/>
+        <a:font script="Gujr" typeface="Shruti"/>
+        <a:font script="Khmr" typeface="DaunPenh"/>
+        <a:font script="Knda" typeface="Tunga"/>
+        <a:font script="Guru" typeface="Raavi"/>
+        <a:font script="Cans" typeface="Euphemia"/>
+        <a:font script="Cher" typeface="Plantagenet Cherokee"/>
+        <a:font script="Yiii" typeface="Microsoft Yi Baiti"/>
+        <a:font script="Tibt" typeface="Microsoft Himalaya"/>
+        <a:font script="Thaa" typeface="MV Boli"/>
+        <a:font script="Deva" typeface="Mangal"/>
+        <a:font script="Telu" typeface="Gautami"/>
+        <a:font script="Taml" typeface="Latha"/>
+        <a:font script="Syrc" typeface="Estrangelo Edessa"/>
+        <a:font script="Orya" typeface="Kalinga"/>
+        <a:font script="Mlym" typeface="Kartika"/>
+        <a:font script="Laoo" typeface="DokChampa"/>
+        <a:font script="Sinh" typeface="Iskoola Pota"/>
+        <a:font script="Mong" typeface="Mongolian Baiti"/>
+        <a:font script="Viet" typeface="Arial"/>
+        <a:font script="Uigh" typeface="Microsoft Uighur"/>
+        <a:font script="Geor" typeface="Sylfaen"/>
+      </a:minorFont>
+    </a:fontScheme>
+    <a:fmtScheme name="Office">
+      <a:fillStyleLst>
+        <a:solidFill>
+          <a:schemeClr val="phClr"/>
+        </a:solidFill>
+        <a:gradFill rotWithShape="1">
+          <a:gsLst>
+            <a:gs pos="0">
+              <a:schemeClr val="phClr">
+                <a:tint val="50000"/>
+                <a:satMod val="300000"/>
+              </a:schemeClr>
+            </a:gs>
+            <a:gs pos="35000">
+              <a:schemeClr val="phClr">
+                <a:tint val="37000"/>
+                <a:satMod val="300000"/>
+              </a:schemeClr>
+            </a:gs>
+            <a:gs pos="100000">
+              <a:schemeClr val="phClr">
+                <a:tint val="15000"/>
+                <a:satMod val="350000"/>
+              </a:schemeClr>
+            </a:gs>
+          </a:gsLst>
+          <a:lin ang="16200000" scaled="1"/>
+        </a:gradFill>
+        <a:gradFill rotWithShape="1">
+          <a:gsLst>
+            <a:gs pos="0">
+              <a:schemeClr val="phClr">
+                <a:tint val="100000"/>
+                <a:shade val="100000"/>
+                <a:satMod val="130000"/>
+              </a:schemeClr>
+            </a:gs>
+            <a:gs pos="100000">
+              <a:schemeClr val="phClr">
+                <a:tint val="50000"/>
+                <a:shade val="100000"/>
+                <a:satMod val="350000"/>
+              </a:schemeClr>
+            </a:gs>
+          </a:gsLst>
+          <a:lin ang="16200000" scaled="0"/>
+        </a:gradFill>
+      </a:fillStyleLst>
+      <a:lnStyleLst>
+        <a:ln w="9525" cap="flat" cmpd="sng" algn="ctr">
+          <a:solidFill>
+            <a:schemeClr val="phClr">
+              <a:shade val="95000"/>
+              <a:satMod val="105000"/>
+            </a:schemeClr>
+          </a:solidFill>
+          <a:prstDash val="solid"/>
+        </a:ln>
+        <a:ln w="25400" cap="flat" cmpd="sng" algn="ctr">
+          <a:solidFill>
+            <a:schemeClr val="phClr"/>
+          </a:solidFill>
+          <a:prstDash val="solid"/>
+        </a:ln>
+        <a:ln w="38100" cap="flat" cmpd="sng" algn="ctr">
+          <a:solidFill>
+            <a:schemeClr val="phClr"/>
+          </a:solidFill>
+          <a:prstDash val="solid"/>
+        </a:ln>
+      </a:lnStyleLst>
+      <a:effectStyleLst>
+        <a:effectStyle>
+          <a:effectLst>
+            <a:outerShdw blurRad="40000" dist="20000" dir="5400000" rotWithShape="0">
+              <a:srgbClr val="000000">
+                <a:alpha val="38000"/>
+              </a:srgbClr>
+            </a:outerShdw>
+          </a:effectLst>
+        </a:effectStyle>
+        <a:effectStyle>
+          <a:effectLst>
+            <a:outerShdw blurRad="40000" dist="23000" dir="5400000" rotWithShape="0">
+              <a:srgbClr val="000000">
+                <a:alpha val="35000"/>
+              </a:srgbClr>
+            </a:outerShdw>
+          </a:effectLst>
+        </a:effectStyle>
+        <a:effectStyle>
+          <a:effectLst>
+            <a:outerShdw blurRad="40000" dist="23000" dir="5400000" rotWithShape="0">
+              <a:srgbClr val="000000">
+                <a:alpha val="35000"/>
+              </a:srgbClr>
+            </a:outerShdw>
+          </a:effectLst>
+          <a:scene3d>
+            <a:camera prst="orthographicFront">
+              <a:rot lat="0" lon="0" rev="0"/>
+            </a:camera>
+            <a:lightRig rig="threePt" dir="t">
+              <a:rot lat="0" lon="0" rev="1200000"/>
+            </a:lightRig>
+          </a:scene3d>
+          <a:sp3d>
+            <a:bevelT w="63500" h="25400"/>
+          </a:sp3d>
+        </a:effectStyle>
+      </a:effectStyleLst>
+      <a:bgFillStyleLst>
+        <a:solidFill>
+          <a:schemeClr val="phClr"/>
+        </a:solidFill>
+        <a:gradFill rotWithShape="1">
+          <a:gsLst>
+            <a:gs pos="0">
+              <a:schemeClr val="phClr">
+                <a:tint val="40000"/>
+                <a:satMod val="350000"/>
+              </a:schemeClr>
+            </a:gs>
+            <a:gs pos="40000">
+              <a:schemeClr val="phClr">
+                <a:tint val="45000"/>
+                <a:shade val="99000"/>
+                <a:satMod val="350000"/>
+              </a:schemeClr>
+            </a:gs>
+            <a:gs pos="100000">
+              <a:schemeClr val="phClr">
+                <a:shade val="20000"/>
+                <a:satMod val="255000"/>
+              </a:schemeClr>
+            </a:gs>
+          </a:gsLst>
+          <a:path path="circle">
+            <a:fillToRect l="50000" t="-80000" r="50000" b="180000"/>
+          </a:path>
+        </a:gradFill>
+        <a:gradFill rotWithShape="1">
+          <a:gsLst>
+            <a:gs pos="0">
+              <a:schemeClr val="phClr">
+                <a:tint val="80000"/>
+                <a:satMod val="300000"/>
+              </a:schemeClr>
+            </a:gs>
+            <a:gs pos="100000">
+              <a:schemeClr val="phClr">
+                <a:shade val="30000"/>
+                <a:satMod val="200000"/>
+              </a:schemeClr>
+            </a:gs>
+          </a:gsLst>
+          <a:path path="circle">
+            <a:fillToRect l="50000" t="50000" r="50000" b="50000"/>
+          </a:path>
+        </a:gradFill>
+      </a:bgFillStyleLst>
+    </a:fmtScheme>
+  </a:themeElements>
+  <a:objectDefaults>
+    <a:spDef>
+      <a:spPr/>
+      <a:bodyPr/>
+      <a:lstStyle/>
+      <a:style>
+        <a:lnRef idx="1">
+          <a:schemeClr val="accent1"/>
+        </a:lnRef>
+        <a:fillRef idx="3">
+          <a:schemeClr val="accent1"/>
+        </a:fillRef>
+        <a:effectRef idx="2">
+          <a:schemeClr val="accent1"/>
+        </a:effectRef>
+        <a:fontRef idx="minor">
+          <a:schemeClr val="lt1"/>
+        </a:fontRef>
+      </a:style>
+    </a:spDef>
+    <a:lnDef>
+      <a:spPr/>
+      <a:bodyPr/>
+      <a:lstStyle/>
+      <a:style>
+        <a:lnRef idx="2">
+          <a:schemeClr val="accent1"/>
+        </a:lnRef>
+        <a:fillRef idx="0">
+          <a:schemeClr val="accent1"/>
+        </a:fillRef>
+        <a:effectRef idx="1">
+          <a:schemeClr val="accent1"/>
+        </a:effectRef>
+        <a:fontRef idx="minor">
+          <a:schemeClr val="tx1"/>
+        </a:fontRef>
+      </a:style>
+    </a:lnDef>
+  </a:objectDefaults>
+  <a:extraClrSchemeLst/>
+</a:theme>
 </file>